--- a/communication/congratulations/Template_congratulations.pptx
+++ b/communication/congratulations/Template_congratulations.pptx
@@ -107,6 +107,11 @@
       </a:defRPr>
     </a:lvl9pPr>
   </p:defaultTextStyle>
+  <p:extLst>
+    <p:ext uri="{EFAFB233-063F-42B5-8137-9DF3F51BA10A}">
+      <p15:sldGuideLst xmlns:p15="http://schemas.microsoft.com/office/powerpoint/2012/main"/>
+    </p:ext>
+  </p:extLst>
 </p:presentation>
 </file>
 
@@ -3906,10 +3911,10 @@
       </p:sp>
       <p:sp>
         <p:nvSpPr>
-          <p:cNvPr id="9" name="TextBox 8">
-            <a:extLst>
-              <a:ext uri="{FF2B5EF4-FFF2-40B4-BE49-F238E27FC236}">
-                <a16:creationId xmlns:a16="http://schemas.microsoft.com/office/drawing/2014/main" id="{4C214538-68AF-D409-6C68-E3C518ACA04E}"/>
+          <p:cNvPr id="10" name="TextBox 9">
+            <a:extLst>
+              <a:ext uri="{FF2B5EF4-FFF2-40B4-BE49-F238E27FC236}">
+                <a16:creationId xmlns:a16="http://schemas.microsoft.com/office/drawing/2014/main" id="{BA273F56-0743-F055-8A1C-D56A6A2E8F38}"/>
               </a:ext>
             </a:extLst>
           </p:cNvPr>
@@ -3918,124 +3923,8 @@
         </p:nvSpPr>
         <p:spPr>
           <a:xfrm>
-            <a:off x="762000" y="625338"/>
-            <a:ext cx="4838700" cy="1569660"/>
-          </a:xfrm>
-          <a:prstGeom prst="rect">
-            <a:avLst/>
-          </a:prstGeom>
-          <a:noFill/>
-        </p:spPr>
-        <p:txBody>
-          <a:bodyPr wrap="square">
-            <a:spAutoFit/>
-          </a:bodyPr>
-          <a:lstStyle/>
-          <a:p>
-            <a:pPr marL="0" marR="0" lvl="0" indent="0" defTabSz="914400" rtl="0" eaLnBrk="1" fontAlgn="auto" latinLnBrk="0" hangingPunct="1">
-              <a:lnSpc>
-                <a:spcPct val="100000"/>
-              </a:lnSpc>
-              <a:spcBef>
-                <a:spcPts val="0"/>
-              </a:spcBef>
-              <a:spcAft>
-                <a:spcPts val="0"/>
-              </a:spcAft>
-              <a:buClrTx/>
-              <a:buSzTx/>
-              <a:buFontTx/>
-              <a:buNone/>
-              <a:tabLst/>
-              <a:defRPr/>
-            </a:pPr>
-            <a:r>
-              <a:rPr lang="en-US" sz="4800" dirty="0">
-                <a:solidFill>
-                  <a:schemeClr val="bg1"/>
-                </a:solidFill>
-                <a:effectLst>
-                  <a:glow rad="101600">
-                    <a:srgbClr val="2F373F"/>
-                  </a:glow>
-                </a:effectLst>
-              </a:rPr>
-              <a:t>Congratulations,</a:t>
-            </a:r>
-          </a:p>
-          <a:p>
-            <a:pPr marL="0" marR="0" lvl="0" indent="0" defTabSz="914400" rtl="0" eaLnBrk="1" fontAlgn="auto" latinLnBrk="0" hangingPunct="1">
-              <a:lnSpc>
-                <a:spcPct val="100000"/>
-              </a:lnSpc>
-              <a:spcBef>
-                <a:spcPts val="0"/>
-              </a:spcBef>
-              <a:spcAft>
-                <a:spcPts val="0"/>
-              </a:spcAft>
-              <a:buClrTx/>
-              <a:buSzTx/>
-              <a:buFontTx/>
-              <a:buNone/>
-              <a:tabLst/>
-              <a:defRPr/>
-            </a:pPr>
-            <a:r>
-              <a:rPr lang="en-US" sz="4800" b="1" dirty="0">
-                <a:solidFill>
-                  <a:schemeClr val="bg1"/>
-                </a:solidFill>
-                <a:effectLst>
-                  <a:glow rad="101600">
-                    <a:srgbClr val="2F373F"/>
-                  </a:glow>
-                </a:effectLst>
-              </a:rPr>
-              <a:t>Student name</a:t>
-            </a:r>
-            <a:r>
-              <a:rPr lang="en-US" sz="4800" dirty="0">
-                <a:solidFill>
-                  <a:schemeClr val="bg1"/>
-                </a:solidFill>
-                <a:effectLst>
-                  <a:glow rad="101600">
-                    <a:srgbClr val="2F373F"/>
-                  </a:glow>
-                </a:effectLst>
-              </a:rPr>
-              <a:t>!</a:t>
-            </a:r>
-            <a:endParaRPr lang="en-US" sz="4800" b="1" dirty="0">
-              <a:solidFill>
-                <a:schemeClr val="bg1"/>
-              </a:solidFill>
-              <a:effectLst>
-                <a:glow rad="101600">
-                  <a:srgbClr val="2F373F"/>
-                </a:glow>
-              </a:effectLst>
-            </a:endParaRPr>
-          </a:p>
-        </p:txBody>
-      </p:sp>
-      <p:sp>
-        <p:nvSpPr>
-          <p:cNvPr id="10" name="TextBox 9">
-            <a:extLst>
-              <a:ext uri="{FF2B5EF4-FFF2-40B4-BE49-F238E27FC236}">
-                <a16:creationId xmlns:a16="http://schemas.microsoft.com/office/drawing/2014/main" id="{BA273F56-0743-F055-8A1C-D56A6A2E8F38}"/>
-              </a:ext>
-            </a:extLst>
-          </p:cNvPr>
-          <p:cNvSpPr txBox="1"/>
-          <p:nvPr/>
-        </p:nvSpPr>
-        <p:spPr>
-          <a:xfrm>
-            <a:off x="762000" y="3109532"/>
-            <a:ext cx="10166554" cy="1012328"/>
+            <a:off x="742750" y="3350163"/>
+            <a:ext cx="10166554" cy="984437"/>
           </a:xfrm>
           <a:prstGeom prst="rect">
             <a:avLst/>
@@ -4066,7 +3955,7 @@
               <a:defRPr/>
             </a:pPr>
             <a:r>
-              <a:rPr lang="en-US" sz="6600" b="1" dirty="0">
+              <a:rPr lang="en-US" sz="6400" b="1">
                 <a:solidFill>
                   <a:schemeClr val="bg1"/>
                 </a:solidFill>
@@ -4078,6 +3967,16 @@
               </a:rPr>
               <a:t>Achievement</a:t>
             </a:r>
+            <a:endParaRPr lang="en-US" sz="6400" b="1" dirty="0">
+              <a:solidFill>
+                <a:schemeClr val="bg1"/>
+              </a:solidFill>
+              <a:effectLst>
+                <a:glow rad="101600">
+                  <a:srgbClr val="2F373F"/>
+                </a:glow>
+              </a:effectLst>
+            </a:endParaRPr>
           </a:p>
         </p:txBody>
       </p:sp>
@@ -4095,7 +3994,7 @@
         </p:nvSpPr>
         <p:spPr>
           <a:xfrm>
-            <a:off x="849084" y="2774583"/>
+            <a:off x="800500" y="2986339"/>
             <a:ext cx="4838700" cy="461665"/>
           </a:xfrm>
           <a:prstGeom prst="rect">
@@ -4182,6 +4081,122 @@
           </a:prstGeom>
         </p:spPr>
       </p:pic>
+      <p:sp>
+        <p:nvSpPr>
+          <p:cNvPr id="9" name="TextBox 8">
+            <a:extLst>
+              <a:ext uri="{FF2B5EF4-FFF2-40B4-BE49-F238E27FC236}">
+                <a16:creationId xmlns:a16="http://schemas.microsoft.com/office/drawing/2014/main" id="{4C214538-68AF-D409-6C68-E3C518ACA04E}"/>
+              </a:ext>
+            </a:extLst>
+          </p:cNvPr>
+          <p:cNvSpPr txBox="1"/>
+          <p:nvPr/>
+        </p:nvSpPr>
+        <p:spPr>
+          <a:xfrm>
+            <a:off x="781250" y="565033"/>
+            <a:ext cx="4838700" cy="1569660"/>
+          </a:xfrm>
+          <a:prstGeom prst="rect">
+            <a:avLst/>
+          </a:prstGeom>
+          <a:noFill/>
+        </p:spPr>
+        <p:txBody>
+          <a:bodyPr wrap="square">
+            <a:spAutoFit/>
+          </a:bodyPr>
+          <a:lstStyle/>
+          <a:p>
+            <a:pPr marL="0" marR="0" lvl="0" indent="0" defTabSz="914400" rtl="0" eaLnBrk="1" fontAlgn="auto" latinLnBrk="0" hangingPunct="1">
+              <a:lnSpc>
+                <a:spcPct val="100000"/>
+              </a:lnSpc>
+              <a:spcBef>
+                <a:spcPts val="0"/>
+              </a:spcBef>
+              <a:spcAft>
+                <a:spcPts val="0"/>
+              </a:spcAft>
+              <a:buClrTx/>
+              <a:buSzTx/>
+              <a:buFontTx/>
+              <a:buNone/>
+              <a:tabLst/>
+              <a:defRPr/>
+            </a:pPr>
+            <a:r>
+              <a:rPr lang="en-US" sz="4800" dirty="0">
+                <a:solidFill>
+                  <a:schemeClr val="bg1"/>
+                </a:solidFill>
+                <a:effectLst>
+                  <a:glow rad="101600">
+                    <a:srgbClr val="2F373F"/>
+                  </a:glow>
+                </a:effectLst>
+              </a:rPr>
+              <a:t>Congratulations,</a:t>
+            </a:r>
+          </a:p>
+          <a:p>
+            <a:pPr marL="0" marR="0" lvl="0" indent="0" defTabSz="914400" rtl="0" eaLnBrk="1" fontAlgn="auto" latinLnBrk="0" hangingPunct="1">
+              <a:lnSpc>
+                <a:spcPct val="100000"/>
+              </a:lnSpc>
+              <a:spcBef>
+                <a:spcPts val="0"/>
+              </a:spcBef>
+              <a:spcAft>
+                <a:spcPts val="0"/>
+              </a:spcAft>
+              <a:buClrTx/>
+              <a:buSzTx/>
+              <a:buFontTx/>
+              <a:buNone/>
+              <a:tabLst/>
+              <a:defRPr/>
+            </a:pPr>
+            <a:r>
+              <a:rPr lang="en-US" sz="4800" b="1" dirty="0">
+                <a:solidFill>
+                  <a:schemeClr val="bg1"/>
+                </a:solidFill>
+                <a:effectLst>
+                  <a:glow rad="101600">
+                    <a:srgbClr val="2F373F"/>
+                  </a:glow>
+                </a:effectLst>
+              </a:rPr>
+              <a:t>Student name</a:t>
+            </a:r>
+            <a:r>
+              <a:rPr lang="en-US" sz="4800" dirty="0">
+                <a:solidFill>
+                  <a:schemeClr val="bg1"/>
+                </a:solidFill>
+                <a:effectLst>
+                  <a:glow rad="101600">
+                    <a:srgbClr val="2F373F"/>
+                  </a:glow>
+                </a:effectLst>
+              </a:rPr>
+              <a:t>!</a:t>
+            </a:r>
+            <a:endParaRPr lang="en-US" sz="4800" b="1" dirty="0">
+              <a:solidFill>
+                <a:schemeClr val="bg1"/>
+              </a:solidFill>
+              <a:effectLst>
+                <a:glow rad="101600">
+                  <a:srgbClr val="2F373F"/>
+                </a:glow>
+              </a:effectLst>
+            </a:endParaRPr>
+          </a:p>
+        </p:txBody>
+      </p:sp>
       <p:pic>
         <p:nvPicPr>
           <p:cNvPr id="18" name="Picture 17" descr="A black and white logo&#10;&#10;Description automatically generated">
@@ -4210,8 +4225,8 @@
         </p:blipFill>
         <p:spPr>
           <a:xfrm>
-            <a:off x="8148778" y="728663"/>
-            <a:ext cx="2779776" cy="2779776"/>
+            <a:off x="8730611" y="565033"/>
+            <a:ext cx="2560320" cy="2560320"/>
           </a:xfrm>
           <a:prstGeom prst="ellipse">
             <a:avLst/>
